--- a/PPT/31_光线追踪_OO结构_光线追踪器.pptx
+++ b/PPT/31_光线追踪_OO结构_光线追踪器.pptx
@@ -5712,16 +5712,16 @@
                 </a:solidFill>
                 <a:latin typeface="Consolas" panose="020B0609020204030204" pitchFamily="49" charset="0"/>
               </a:rPr>
-              <a:t>递归深度</a:t>
-            </a:r>
-            <a:r>
-              <a:rPr lang="en-US" altLang="zh-CN" sz="1000" dirty="0">
-                <a:solidFill>
-                  <a:srgbClr val="008000"/>
-                </a:solidFill>
-                <a:latin typeface="Consolas" panose="020B0609020204030204" pitchFamily="49" charset="0"/>
-              </a:rPr>
-              <a:t>&gt;1*/</a:t>
+              <a:t>判断递归深度</a:t>
+            </a:r>
+            <a:r>
+              <a:rPr lang="en-US" altLang="zh-CN" sz="1000" dirty="0">
+                <a:solidFill>
+                  <a:srgbClr val="008000"/>
+                </a:solidFill>
+                <a:latin typeface="Consolas" panose="020B0609020204030204" pitchFamily="49" charset="0"/>
+              </a:rPr>
+              <a:t>*/</a:t>
             </a:r>
             <a:r>
               <a:rPr lang="en-US" altLang="zh-CN" sz="1000" dirty="0">
@@ -9554,16 +9554,16 @@
                 </a:solidFill>
                 <a:latin typeface="Consolas" panose="020B0609020204030204" pitchFamily="49" charset="0"/>
               </a:rPr>
-              <a:t>递归深度</a:t>
-            </a:r>
-            <a:r>
-              <a:rPr lang="en-US" altLang="zh-CN" sz="1000" dirty="0">
-                <a:solidFill>
-                  <a:srgbClr val="008000"/>
-                </a:solidFill>
-                <a:latin typeface="Consolas" panose="020B0609020204030204" pitchFamily="49" charset="0"/>
-              </a:rPr>
-              <a:t>&gt;1*/</a:t>
+              <a:t>判断递归深度</a:t>
+            </a:r>
+            <a:r>
+              <a:rPr lang="en-US" altLang="zh-CN" sz="1000" dirty="0">
+                <a:solidFill>
+                  <a:srgbClr val="008000"/>
+                </a:solidFill>
+                <a:latin typeface="Consolas" panose="020B0609020204030204" pitchFamily="49" charset="0"/>
+              </a:rPr>
+              <a:t>*/</a:t>
             </a:r>
             <a:r>
               <a:rPr lang="en-US" altLang="zh-CN" sz="1000" dirty="0">
@@ -10928,16 +10928,16 @@
                 </a:solidFill>
                 <a:latin typeface="Consolas" panose="020B0609020204030204" pitchFamily="49" charset="0"/>
               </a:rPr>
-              <a:t>递归深度</a:t>
-            </a:r>
-            <a:r>
-              <a:rPr lang="en-US" altLang="zh-CN" sz="1000" dirty="0">
-                <a:solidFill>
-                  <a:srgbClr val="008000"/>
-                </a:solidFill>
-                <a:latin typeface="Consolas" panose="020B0609020204030204" pitchFamily="49" charset="0"/>
-              </a:rPr>
-              <a:t>&gt;1*/</a:t>
+              <a:t>判断递归深度</a:t>
+            </a:r>
+            <a:r>
+              <a:rPr lang="en-US" altLang="zh-CN" sz="1000" dirty="0">
+                <a:solidFill>
+                  <a:srgbClr val="008000"/>
+                </a:solidFill>
+                <a:latin typeface="Consolas" panose="020B0609020204030204" pitchFamily="49" charset="0"/>
+              </a:rPr>
+              <a:t>*/</a:t>
             </a:r>
             <a:r>
               <a:rPr lang="en-US" altLang="zh-CN" sz="1000" dirty="0">
@@ -12456,16 +12456,16 @@
                 </a:solidFill>
                 <a:latin typeface="Consolas" panose="020B0609020204030204" pitchFamily="49" charset="0"/>
               </a:rPr>
-              <a:t>递归深度</a:t>
-            </a:r>
-            <a:r>
-              <a:rPr lang="en-US" altLang="zh-CN" sz="1000" dirty="0">
-                <a:solidFill>
-                  <a:srgbClr val="008000"/>
-                </a:solidFill>
-                <a:latin typeface="Consolas" panose="020B0609020204030204" pitchFamily="49" charset="0"/>
-              </a:rPr>
-              <a:t>&gt;1*/</a:t>
+              <a:t>判断递归深度</a:t>
+            </a:r>
+            <a:r>
+              <a:rPr lang="en-US" altLang="zh-CN" sz="1000" dirty="0">
+                <a:solidFill>
+                  <a:srgbClr val="008000"/>
+                </a:solidFill>
+                <a:latin typeface="Consolas" panose="020B0609020204030204" pitchFamily="49" charset="0"/>
+              </a:rPr>
+              <a:t>*/</a:t>
             </a:r>
             <a:r>
               <a:rPr lang="en-US" altLang="zh-CN" sz="1000" dirty="0">
@@ -13984,16 +13984,16 @@
                 </a:solidFill>
                 <a:latin typeface="Consolas" panose="020B0609020204030204" pitchFamily="49" charset="0"/>
               </a:rPr>
-              <a:t>递归深度</a:t>
-            </a:r>
-            <a:r>
-              <a:rPr lang="en-US" altLang="zh-CN" sz="1000" dirty="0">
-                <a:solidFill>
-                  <a:srgbClr val="008000"/>
-                </a:solidFill>
-                <a:latin typeface="Consolas" panose="020B0609020204030204" pitchFamily="49" charset="0"/>
-              </a:rPr>
-              <a:t>&gt;1*/</a:t>
+              <a:t>判断递归深度</a:t>
+            </a:r>
+            <a:r>
+              <a:rPr lang="en-US" altLang="zh-CN" sz="1000" dirty="0">
+                <a:solidFill>
+                  <a:srgbClr val="008000"/>
+                </a:solidFill>
+                <a:latin typeface="Consolas" panose="020B0609020204030204" pitchFamily="49" charset="0"/>
+              </a:rPr>
+              <a:t>*/</a:t>
             </a:r>
             <a:r>
               <a:rPr lang="en-US" altLang="zh-CN" sz="1000" dirty="0">
@@ -15583,16 +15583,16 @@
                 </a:solidFill>
                 <a:latin typeface="Consolas" panose="020B0609020204030204" pitchFamily="49" charset="0"/>
               </a:rPr>
-              <a:t>递归深度</a:t>
-            </a:r>
-            <a:r>
-              <a:rPr lang="en-US" altLang="zh-CN" sz="1000" dirty="0">
-                <a:solidFill>
-                  <a:srgbClr val="008000"/>
-                </a:solidFill>
-                <a:latin typeface="Consolas" panose="020B0609020204030204" pitchFamily="49" charset="0"/>
-              </a:rPr>
-              <a:t>&gt;1*/</a:t>
+              <a:t>判断递归深度</a:t>
+            </a:r>
+            <a:r>
+              <a:rPr lang="en-US" altLang="zh-CN" sz="1000" dirty="0">
+                <a:solidFill>
+                  <a:srgbClr val="008000"/>
+                </a:solidFill>
+                <a:latin typeface="Consolas" panose="020B0609020204030204" pitchFamily="49" charset="0"/>
+              </a:rPr>
+              <a:t>*/</a:t>
             </a:r>
             <a:r>
               <a:rPr lang="en-US" altLang="zh-CN" sz="1000" dirty="0">
@@ -17280,16 +17280,16 @@
                 </a:solidFill>
                 <a:latin typeface="Consolas" panose="020B0609020204030204" pitchFamily="49" charset="0"/>
               </a:rPr>
-              <a:t>递归深度</a:t>
-            </a:r>
-            <a:r>
-              <a:rPr lang="en-US" altLang="zh-CN" sz="1000" dirty="0">
-                <a:solidFill>
-                  <a:srgbClr val="008000"/>
-                </a:solidFill>
-                <a:latin typeface="Consolas" panose="020B0609020204030204" pitchFamily="49" charset="0"/>
-              </a:rPr>
-              <a:t>&gt;1*/</a:t>
+              <a:t>判断递归深度</a:t>
+            </a:r>
+            <a:r>
+              <a:rPr lang="en-US" altLang="zh-CN" sz="1000" dirty="0">
+                <a:solidFill>
+                  <a:srgbClr val="008000"/>
+                </a:solidFill>
+                <a:latin typeface="Consolas" panose="020B0609020204030204" pitchFamily="49" charset="0"/>
+              </a:rPr>
+              <a:t>*/</a:t>
             </a:r>
             <a:r>
               <a:rPr lang="en-US" altLang="zh-CN" sz="1000" dirty="0">
@@ -17494,7 +17494,7 @@
         </p:nvSpPr>
         <p:spPr bwMode="auto">
           <a:xfrm rot="5400000">
-            <a:off x="6444156" y="3723846"/>
+            <a:off x="6588168" y="3723846"/>
             <a:ext cx="216018" cy="360030"/>
           </a:xfrm>
           <a:prstGeom prst="downArrow">
